--- a/Lecture/Week9_Lecture_Webscraping.pptx
+++ b/Lecture/Week9_Lecture_Webscraping.pptx
@@ -138,7 +138,7 @@
           <a:p>
             <a:fld id="{929B5018-1F08-4C1C-BC42-4D5A0F5E891E}" type="datetimeFigureOut">
               <a:rPr lang="en-US" smtClean="0"/>
-              <a:t>6/12/2024</a:t>
+              <a:t>2/9/2025</a:t>
             </a:fld>
             <a:endParaRPr lang="en-US"/>
           </a:p>
@@ -1901,7 +1901,7 @@
           <a:p>
             <a:fld id="{6C280350-44D9-4978-AD7D-FC0EB26150B0}" type="datetimeFigureOut">
               <a:rPr lang="en-US" smtClean="0"/>
-              <a:t>6/12/2024</a:t>
+              <a:t>2/9/2025</a:t>
             </a:fld>
             <a:endParaRPr lang="en-US"/>
           </a:p>
@@ -2102,7 +2102,7 @@
           <a:p>
             <a:fld id="{6C280350-44D9-4978-AD7D-FC0EB26150B0}" type="datetimeFigureOut">
               <a:rPr lang="en-US" smtClean="0"/>
-              <a:t>6/12/2024</a:t>
+              <a:t>2/9/2025</a:t>
             </a:fld>
             <a:endParaRPr lang="en-US"/>
           </a:p>
@@ -2339,7 +2339,7 @@
           <a:p>
             <a:fld id="{6C280350-44D9-4978-AD7D-FC0EB26150B0}" type="datetimeFigureOut">
               <a:rPr lang="en-US" smtClean="0"/>
-              <a:t>6/12/2024</a:t>
+              <a:t>2/9/2025</a:t>
             </a:fld>
             <a:endParaRPr lang="en-US"/>
           </a:p>
@@ -2502,7 +2502,7 @@
           <a:p>
             <a:fld id="{6C280350-44D9-4978-AD7D-FC0EB26150B0}" type="datetimeFigureOut">
               <a:rPr lang="en-US" smtClean="0"/>
-              <a:t>6/12/2024</a:t>
+              <a:t>2/9/2025</a:t>
             </a:fld>
             <a:endParaRPr lang="en-US"/>
           </a:p>
@@ -2627,7 +2627,7 @@
           <a:p>
             <a:fld id="{6C280350-44D9-4978-AD7D-FC0EB26150B0}" type="datetimeFigureOut">
               <a:rPr lang="en-US" smtClean="0"/>
-              <a:t>6/12/2024</a:t>
+              <a:t>2/9/2025</a:t>
             </a:fld>
             <a:endParaRPr lang="en-US"/>
           </a:p>
@@ -6108,7 +6108,7 @@
           <a:p>
             <a:fld id="{6C280350-44D9-4978-AD7D-FC0EB26150B0}" type="datetimeFigureOut">
               <a:rPr lang="en-US" smtClean="0"/>
-              <a:t>6/12/2024</a:t>
+              <a:t>2/9/2025</a:t>
             </a:fld>
             <a:endParaRPr lang="en-US"/>
           </a:p>
@@ -8799,7 +8799,7 @@
                   <a:schemeClr val="bg1"/>
                 </a:solidFill>
               </a:rPr>
-              <a:t>Wenzheng Li, Hazel (Yujin) Lee</a:t>
+              <a:t>Wenzheng Li</a:t>
             </a:r>
           </a:p>
           <a:p>
